--- a/t-04-queue-and-stack/תרגול 4.pptx
+++ b/t-04-queue-and-stack/תרגול 4.pptx
@@ -212,7 +212,7 @@
           <a:p>
             <a:fld id="{C267593B-B963-47D8-A2A4-BA759CBCEAC5}" type="datetimeFigureOut">
               <a:rPr lang="en-US" smtClean="0"/>
-              <a:t>12/25/2023</a:t>
+              <a:t>2/10/24</a:t>
             </a:fld>
             <a:endParaRPr lang="en-US"/>
           </a:p>
@@ -1099,7 +1099,18 @@
           <a:bodyPr/>
           <a:lstStyle/>
           <a:p>
-            <a:endParaRPr lang="en-US" dirty="0"/>
+            <a:r>
+              <a:rPr lang="en-US" dirty="0"/>
+              <a:t>https://</a:t>
+            </a:r>
+            <a:r>
+              <a:rPr lang="en-US" dirty="0" err="1"/>
+              <a:t>visualfractions.com</a:t>
+            </a:r>
+            <a:r>
+              <a:rPr lang="en-US" dirty="0"/>
+              <a:t>/calculator/modulo/what-is-4-mod-7/</a:t>
+            </a:r>
           </a:p>
         </p:txBody>
       </p:sp>
@@ -1936,7 +1947,7 @@
           <a:p>
             <a:fld id="{9FBD9C55-7868-4FF1-8666-2EC1F88A96B2}" type="datetimeFigureOut">
               <a:rPr lang="he-IL" smtClean="0"/>
-              <a:t>י"ג/טבת/תשפ"ד</a:t>
+              <a:t>א'.אדר א.תשפ"ד</a:t>
             </a:fld>
             <a:endParaRPr lang="he-IL"/>
           </a:p>
@@ -2134,7 +2145,7 @@
           <a:p>
             <a:fld id="{9FBD9C55-7868-4FF1-8666-2EC1F88A96B2}" type="datetimeFigureOut">
               <a:rPr lang="he-IL" smtClean="0"/>
-              <a:t>י"ג/טבת/תשפ"ד</a:t>
+              <a:t>א'.אדר א.תשפ"ד</a:t>
             </a:fld>
             <a:endParaRPr lang="he-IL"/>
           </a:p>
@@ -2342,7 +2353,7 @@
           <a:p>
             <a:fld id="{9FBD9C55-7868-4FF1-8666-2EC1F88A96B2}" type="datetimeFigureOut">
               <a:rPr lang="he-IL" smtClean="0"/>
-              <a:t>י"ג/טבת/תשפ"ד</a:t>
+              <a:t>א'.אדר א.תשפ"ד</a:t>
             </a:fld>
             <a:endParaRPr lang="he-IL"/>
           </a:p>
@@ -2540,7 +2551,7 @@
           <a:p>
             <a:fld id="{9FBD9C55-7868-4FF1-8666-2EC1F88A96B2}" type="datetimeFigureOut">
               <a:rPr lang="he-IL" smtClean="0"/>
-              <a:t>י"ג/טבת/תשפ"ד</a:t>
+              <a:t>א'.אדר א.תשפ"ד</a:t>
             </a:fld>
             <a:endParaRPr lang="he-IL"/>
           </a:p>
@@ -2815,7 +2826,7 @@
           <a:p>
             <a:fld id="{9FBD9C55-7868-4FF1-8666-2EC1F88A96B2}" type="datetimeFigureOut">
               <a:rPr lang="he-IL" smtClean="0"/>
-              <a:t>י"ג/טבת/תשפ"ד</a:t>
+              <a:t>א'.אדר א.תשפ"ד</a:t>
             </a:fld>
             <a:endParaRPr lang="he-IL"/>
           </a:p>
@@ -3080,7 +3091,7 @@
           <a:p>
             <a:fld id="{9FBD9C55-7868-4FF1-8666-2EC1F88A96B2}" type="datetimeFigureOut">
               <a:rPr lang="he-IL" smtClean="0"/>
-              <a:t>י"ג/טבת/תשפ"ד</a:t>
+              <a:t>א'.אדר א.תשפ"ד</a:t>
             </a:fld>
             <a:endParaRPr lang="he-IL"/>
           </a:p>
@@ -3492,7 +3503,7 @@
           <a:p>
             <a:fld id="{9FBD9C55-7868-4FF1-8666-2EC1F88A96B2}" type="datetimeFigureOut">
               <a:rPr lang="he-IL" smtClean="0"/>
-              <a:t>י"ג/טבת/תשפ"ד</a:t>
+              <a:t>א'.אדר א.תשפ"ד</a:t>
             </a:fld>
             <a:endParaRPr lang="he-IL"/>
           </a:p>
@@ -3633,7 +3644,7 @@
           <a:p>
             <a:fld id="{9FBD9C55-7868-4FF1-8666-2EC1F88A96B2}" type="datetimeFigureOut">
               <a:rPr lang="he-IL" smtClean="0"/>
-              <a:t>י"ג/טבת/תשפ"ד</a:t>
+              <a:t>א'.אדר א.תשפ"ד</a:t>
             </a:fld>
             <a:endParaRPr lang="he-IL"/>
           </a:p>
@@ -3746,7 +3757,7 @@
           <a:p>
             <a:fld id="{9FBD9C55-7868-4FF1-8666-2EC1F88A96B2}" type="datetimeFigureOut">
               <a:rPr lang="he-IL" smtClean="0"/>
-              <a:t>י"ג/טבת/תשפ"ד</a:t>
+              <a:t>א'.אדר א.תשפ"ד</a:t>
             </a:fld>
             <a:endParaRPr lang="he-IL"/>
           </a:p>
@@ -4057,7 +4068,7 @@
           <a:p>
             <a:fld id="{9FBD9C55-7868-4FF1-8666-2EC1F88A96B2}" type="datetimeFigureOut">
               <a:rPr lang="he-IL" smtClean="0"/>
-              <a:t>י"ג/טבת/תשפ"ד</a:t>
+              <a:t>א'.אדר א.תשפ"ד</a:t>
             </a:fld>
             <a:endParaRPr lang="he-IL"/>
           </a:p>
@@ -4345,7 +4356,7 @@
           <a:p>
             <a:fld id="{9FBD9C55-7868-4FF1-8666-2EC1F88A96B2}" type="datetimeFigureOut">
               <a:rPr lang="he-IL" smtClean="0"/>
-              <a:t>י"ג/טבת/תשפ"ד</a:t>
+              <a:t>א'.אדר א.תשפ"ד</a:t>
             </a:fld>
             <a:endParaRPr lang="he-IL"/>
           </a:p>
@@ -4586,7 +4597,7 @@
           <a:p>
             <a:fld id="{9FBD9C55-7868-4FF1-8666-2EC1F88A96B2}" type="datetimeFigureOut">
               <a:rPr lang="he-IL" smtClean="0"/>
-              <a:t>י"ג/טבת/תשפ"ד</a:t>
+              <a:t>א'.אדר א.תשפ"ד</a:t>
             </a:fld>
             <a:endParaRPr lang="he-IL"/>
           </a:p>
@@ -8611,7 +8622,7 @@
               <a:defRPr/>
             </a:pPr>
             <a:r>
-              <a:rPr kumimoji="0" lang="he-IL" altLang="he-IL" sz="4200" b="1" i="0" u="none" strike="noStrike" kern="0" cap="none" spc="0" normalizeH="0" baseline="0" noProof="0" dirty="0" smtClean="0">
+              <a:rPr kumimoji="0" lang="he-IL" altLang="he-IL" sz="4200" b="1" i="0" u="none" strike="noStrike" kern="0" cap="none" spc="0" normalizeH="0" baseline="0" noProof="0" dirty="0">
                 <a:ln>
                   <a:noFill/>
                 </a:ln>
@@ -8628,7 +8639,7 @@
               <a:t>תרגיל </a:t>
             </a:r>
             <a:r>
-              <a:rPr kumimoji="0" lang="en-US" altLang="he-IL" sz="4200" b="1" i="0" u="none" strike="noStrike" kern="0" cap="none" spc="0" normalizeH="0" baseline="0" noProof="0" dirty="0" smtClean="0">
+              <a:rPr kumimoji="0" lang="en-US" altLang="he-IL" sz="4200" b="1" i="0" u="none" strike="noStrike" kern="0" cap="none" spc="0" normalizeH="0" baseline="0" noProof="0" dirty="0">
                 <a:ln>
                   <a:noFill/>
                 </a:ln>
@@ -8644,20 +8655,6 @@
               </a:rPr>
               <a:t>6</a:t>
             </a:r>
-            <a:endParaRPr kumimoji="0" lang="en-US" altLang="he-IL" sz="4200" b="1" i="0" u="none" strike="noStrike" kern="0" cap="none" spc="0" normalizeH="0" baseline="0" noProof="0" dirty="0">
-              <a:ln>
-                <a:noFill/>
-              </a:ln>
-              <a:solidFill>
-                <a:srgbClr val="006633"/>
-              </a:solidFill>
-              <a:effectLst/>
-              <a:uLnTx/>
-              <a:uFillTx/>
-              <a:latin typeface="Garamond"/>
-              <a:ea typeface="+mj-ea"/>
-              <a:cs typeface="Arial"/>
-            </a:endParaRPr>
           </a:p>
         </p:txBody>
       </p:sp>
@@ -8683,7 +8680,7 @@
           <a:lstStyle/>
           <a:p>
             <a:r>
-              <a:rPr lang="he-IL" smtClean="0">
+              <a:rPr lang="he-IL">
                 <a:latin typeface="ArialMT"/>
               </a:rPr>
               <a:t>כתבו פעולה (פונקציה) המקבלת תור של מספרים שלמים ומחזירה את סכום האיברים הזוגיים הנמצאים בו.</a:t>
@@ -8691,7 +8688,7 @@
           </a:p>
           <a:p>
             <a:r>
-              <a:rPr lang="he-IL" smtClean="0">
+              <a:rPr lang="he-IL">
                 <a:latin typeface="ArialMT"/>
               </a:rPr>
               <a:t>אחרי הפעלת פונקציה, התור יישאר ללא מספרים זוגיים.</a:t>
@@ -8699,7 +8696,7 @@
           </a:p>
           <a:p>
             <a:r>
-              <a:rPr lang="he-IL" smtClean="0">
+              <a:rPr lang="he-IL">
                 <a:latin typeface="ArialMT"/>
               </a:rPr>
               <a:t>מה סיבוכיות של אלגוריתם?</a:t>
@@ -8967,32 +8964,23 @@
           <a:p>
             <a:pPr algn="l" rtl="0"/>
             <a:r>
-              <a:rPr lang="en-US" dirty="0" smtClean="0"/>
+              <a:rPr lang="en-US" dirty="0"/>
               <a:t>	for k from index of element to size - 2:</a:t>
             </a:r>
           </a:p>
           <a:p>
             <a:pPr algn="l" rtl="0"/>
             <a:r>
-              <a:rPr lang="en-US" dirty="0" smtClean="0"/>
-              <a:t>                    </a:t>
-            </a:r>
-            <a:r>
               <a:rPr lang="en-US" dirty="0"/>
-              <a:t>queue[k] = queue[k + 1]</a:t>
+              <a:t>                    queue[k] = queue[k + 1]</a:t>
             </a:r>
           </a:p>
           <a:p>
             <a:pPr algn="l" rtl="0"/>
             <a:r>
               <a:rPr lang="en-US" dirty="0"/>
-              <a:t>                size = size - </a:t>
-            </a:r>
-            <a:r>
-              <a:rPr lang="en-US" dirty="0" smtClean="0"/>
-              <a:t>1</a:t>
-            </a:r>
-            <a:endParaRPr lang="en-US" dirty="0"/>
+              <a:t>                size = size - 1</a:t>
+            </a:r>
           </a:p>
         </p:txBody>
       </p:sp>
@@ -10378,13 +10366,6 @@
   <p:clrMapOvr>
     <a:masterClrMapping/>
   </p:clrMapOvr>
-  <p:timing>
-    <p:tnLst>
-      <p:par>
-        <p:cTn id="1" dur="indefinite" restart="never" nodeType="tmRoot"/>
-      </p:par>
-    </p:tnLst>
-  </p:timing>
 </p:sld>
 </file>
 
@@ -11099,13 +11080,6 @@
   <p:clrMapOvr>
     <a:masterClrMapping/>
   </p:clrMapOvr>
-  <p:timing>
-    <p:tnLst>
-      <p:par>
-        <p:cTn id="1" dur="indefinite" restart="never" nodeType="tmRoot"/>
-      </p:par>
-    </p:tnLst>
-  </p:timing>
 </p:sld>
 </file>
 
@@ -11352,43 +11326,19 @@
               </a:rPr>
               <a:t>Time Complexities of </a:t>
             </a:r>
-            <a:endParaRPr lang="en-US" altLang="he-IL" sz="3200" kern="0" dirty="0" smtClean="0">
-              <a:solidFill>
-                <a:srgbClr val="006633"/>
-              </a:solidFill>
-              <a:latin typeface="Garamond"/>
-              <a:cs typeface="Arial"/>
-            </a:endParaRPr>
           </a:p>
           <a:p>
             <a:pPr algn="ctr" eaLnBrk="1" hangingPunct="1"/>
             <a:r>
-              <a:rPr lang="en-US" altLang="he-IL" sz="3200" kern="0" dirty="0" smtClean="0">
+              <a:rPr lang="en-US" altLang="he-IL" sz="3200" kern="0" dirty="0">
                 <a:solidFill>
                   <a:srgbClr val="006633"/>
                 </a:solidFill>
                 <a:latin typeface="Garamond"/>
                 <a:cs typeface="Arial"/>
               </a:rPr>
-              <a:t>all </a:t>
-            </a:r>
-            <a:r>
-              <a:rPr lang="en-US" altLang="he-IL" sz="3200" kern="0" dirty="0">
-                <a:solidFill>
-                  <a:srgbClr val="006633"/>
-                </a:solidFill>
-                <a:latin typeface="Garamond"/>
-                <a:cs typeface="Arial"/>
-              </a:rPr>
-              <a:t>Sorting Algorithms</a:t>
-            </a:r>
-            <a:endParaRPr lang="en-US" altLang="he-IL" sz="3200" kern="0" dirty="0">
-              <a:solidFill>
-                <a:srgbClr val="006633"/>
-              </a:solidFill>
-              <a:latin typeface="Garamond"/>
-              <a:cs typeface="Arial"/>
-            </a:endParaRPr>
+              <a:t>all Sorting Algorithms</a:t>
+            </a:r>
           </a:p>
         </p:txBody>
       </p:sp>
@@ -11671,13 +11621,6 @@
   <p:clrMapOvr>
     <a:masterClrMapping/>
   </p:clrMapOvr>
-  <p:timing>
-    <p:tnLst>
-      <p:par>
-        <p:cTn id="1" dur="indefinite" restart="never" nodeType="tmRoot"/>
-      </p:par>
-    </p:tnLst>
-  </p:timing>
 </p:sld>
 </file>
 

--- a/t-04-queue-and-stack/תרגול 4.pptx
+++ b/t-04-queue-and-stack/תרגול 4.pptx
@@ -212,7 +212,7 @@
           <a:p>
             <a:fld id="{C267593B-B963-47D8-A2A4-BA759CBCEAC5}" type="datetimeFigureOut">
               <a:rPr lang="en-US" smtClean="0"/>
-              <a:t>2/10/24</a:t>
+              <a:t>2/12/24</a:t>
             </a:fld>
             <a:endParaRPr lang="en-US"/>
           </a:p>
@@ -1947,7 +1947,7 @@
           <a:p>
             <a:fld id="{9FBD9C55-7868-4FF1-8666-2EC1F88A96B2}" type="datetimeFigureOut">
               <a:rPr lang="he-IL" smtClean="0"/>
-              <a:t>א'.אדר א.תשפ"ד</a:t>
+              <a:t>ג'.אדר א.תשפ"ד</a:t>
             </a:fld>
             <a:endParaRPr lang="he-IL"/>
           </a:p>
@@ -2145,7 +2145,7 @@
           <a:p>
             <a:fld id="{9FBD9C55-7868-4FF1-8666-2EC1F88A96B2}" type="datetimeFigureOut">
               <a:rPr lang="he-IL" smtClean="0"/>
-              <a:t>א'.אדר א.תשפ"ד</a:t>
+              <a:t>ג'.אדר א.תשפ"ד</a:t>
             </a:fld>
             <a:endParaRPr lang="he-IL"/>
           </a:p>
@@ -2353,7 +2353,7 @@
           <a:p>
             <a:fld id="{9FBD9C55-7868-4FF1-8666-2EC1F88A96B2}" type="datetimeFigureOut">
               <a:rPr lang="he-IL" smtClean="0"/>
-              <a:t>א'.אדר א.תשפ"ד</a:t>
+              <a:t>ג'.אדר א.תשפ"ד</a:t>
             </a:fld>
             <a:endParaRPr lang="he-IL"/>
           </a:p>
@@ -2551,7 +2551,7 @@
           <a:p>
             <a:fld id="{9FBD9C55-7868-4FF1-8666-2EC1F88A96B2}" type="datetimeFigureOut">
               <a:rPr lang="he-IL" smtClean="0"/>
-              <a:t>א'.אדר א.תשפ"ד</a:t>
+              <a:t>ג'.אדר א.תשפ"ד</a:t>
             </a:fld>
             <a:endParaRPr lang="he-IL"/>
           </a:p>
@@ -2826,7 +2826,7 @@
           <a:p>
             <a:fld id="{9FBD9C55-7868-4FF1-8666-2EC1F88A96B2}" type="datetimeFigureOut">
               <a:rPr lang="he-IL" smtClean="0"/>
-              <a:t>א'.אדר א.תשפ"ד</a:t>
+              <a:t>ג'.אדר א.תשפ"ד</a:t>
             </a:fld>
             <a:endParaRPr lang="he-IL"/>
           </a:p>
@@ -3091,7 +3091,7 @@
           <a:p>
             <a:fld id="{9FBD9C55-7868-4FF1-8666-2EC1F88A96B2}" type="datetimeFigureOut">
               <a:rPr lang="he-IL" smtClean="0"/>
-              <a:t>א'.אדר א.תשפ"ד</a:t>
+              <a:t>ג'.אדר א.תשפ"ד</a:t>
             </a:fld>
             <a:endParaRPr lang="he-IL"/>
           </a:p>
@@ -3503,7 +3503,7 @@
           <a:p>
             <a:fld id="{9FBD9C55-7868-4FF1-8666-2EC1F88A96B2}" type="datetimeFigureOut">
               <a:rPr lang="he-IL" smtClean="0"/>
-              <a:t>א'.אדר א.תשפ"ד</a:t>
+              <a:t>ג'.אדר א.תשפ"ד</a:t>
             </a:fld>
             <a:endParaRPr lang="he-IL"/>
           </a:p>
@@ -3644,7 +3644,7 @@
           <a:p>
             <a:fld id="{9FBD9C55-7868-4FF1-8666-2EC1F88A96B2}" type="datetimeFigureOut">
               <a:rPr lang="he-IL" smtClean="0"/>
-              <a:t>א'.אדר א.תשפ"ד</a:t>
+              <a:t>ג'.אדר א.תשפ"ד</a:t>
             </a:fld>
             <a:endParaRPr lang="he-IL"/>
           </a:p>
@@ -3757,7 +3757,7 @@
           <a:p>
             <a:fld id="{9FBD9C55-7868-4FF1-8666-2EC1F88A96B2}" type="datetimeFigureOut">
               <a:rPr lang="he-IL" smtClean="0"/>
-              <a:t>א'.אדר א.תשפ"ד</a:t>
+              <a:t>ג'.אדר א.תשפ"ד</a:t>
             </a:fld>
             <a:endParaRPr lang="he-IL"/>
           </a:p>
@@ -4068,7 +4068,7 @@
           <a:p>
             <a:fld id="{9FBD9C55-7868-4FF1-8666-2EC1F88A96B2}" type="datetimeFigureOut">
               <a:rPr lang="he-IL" smtClean="0"/>
-              <a:t>א'.אדר א.תשפ"ד</a:t>
+              <a:t>ג'.אדר א.תשפ"ד</a:t>
             </a:fld>
             <a:endParaRPr lang="he-IL"/>
           </a:p>
@@ -4356,7 +4356,7 @@
           <a:p>
             <a:fld id="{9FBD9C55-7868-4FF1-8666-2EC1F88A96B2}" type="datetimeFigureOut">
               <a:rPr lang="he-IL" smtClean="0"/>
-              <a:t>א'.אדר א.תשפ"ד</a:t>
+              <a:t>ג'.אדר א.תשפ"ד</a:t>
             </a:fld>
             <a:endParaRPr lang="he-IL"/>
           </a:p>
@@ -4597,7 +4597,7 @@
           <a:p>
             <a:fld id="{9FBD9C55-7868-4FF1-8666-2EC1F88A96B2}" type="datetimeFigureOut">
               <a:rPr lang="he-IL" smtClean="0"/>
-              <a:t>א'.אדר א.תשפ"ד</a:t>
+              <a:t>ג'.אדר א.תשפ"ד</a:t>
             </a:fld>
             <a:endParaRPr lang="he-IL"/>
           </a:p>
@@ -12906,218 +12906,6 @@
           <a:ln/>
         </p:spPr>
       </p:pic>
-      <p:sp>
-        <p:nvSpPr>
-          <p:cNvPr id="12" name="Rectangle 11">
-            <a:extLst>
-              <a:ext uri="{FF2B5EF4-FFF2-40B4-BE49-F238E27FC236}">
-                <a16:creationId xmlns:a16="http://schemas.microsoft.com/office/drawing/2014/main" id="{96CE2B88-4622-434F-01AF-DBEB37F2D6B0}"/>
-              </a:ext>
-            </a:extLst>
-          </p:cNvPr>
-          <p:cNvSpPr/>
-          <p:nvPr/>
-        </p:nvSpPr>
-        <p:spPr>
-          <a:xfrm>
-            <a:off x="11273899" y="4563687"/>
-            <a:ext cx="302940" cy="216130"/>
-          </a:xfrm>
-          <a:prstGeom prst="rect">
-            <a:avLst/>
-          </a:prstGeom>
-        </p:spPr>
-        <p:style>
-          <a:lnRef idx="2">
-            <a:schemeClr val="accent1">
-              <a:shade val="15000"/>
-            </a:schemeClr>
-          </a:lnRef>
-          <a:fillRef idx="1">
-            <a:schemeClr val="accent1"/>
-          </a:fillRef>
-          <a:effectRef idx="0">
-            <a:schemeClr val="accent1"/>
-          </a:effectRef>
-          <a:fontRef idx="minor">
-            <a:schemeClr val="lt1"/>
-          </a:fontRef>
-        </p:style>
-        <p:txBody>
-          <a:bodyPr rtlCol="0" anchor="ctr"/>
-          <a:lstStyle/>
-          <a:p>
-            <a:pPr algn="ctr"/>
-            <a:r>
-              <a:rPr lang="en-US" dirty="0">
-                <a:solidFill>
-                  <a:srgbClr val="FF0000"/>
-                </a:solidFill>
-              </a:rPr>
-              <a:t>V</a:t>
-            </a:r>
-          </a:p>
-        </p:txBody>
-      </p:sp>
-      <p:sp>
-        <p:nvSpPr>
-          <p:cNvPr id="16" name="Rectangle 15">
-            <a:extLst>
-              <a:ext uri="{FF2B5EF4-FFF2-40B4-BE49-F238E27FC236}">
-                <a16:creationId xmlns:a16="http://schemas.microsoft.com/office/drawing/2014/main" id="{5CB38396-5856-3FBD-A260-4CB7C2DC577D}"/>
-              </a:ext>
-            </a:extLst>
-          </p:cNvPr>
-          <p:cNvSpPr/>
-          <p:nvPr/>
-        </p:nvSpPr>
-        <p:spPr>
-          <a:xfrm>
-            <a:off x="11280371" y="4817225"/>
-            <a:ext cx="302940" cy="216130"/>
-          </a:xfrm>
-          <a:prstGeom prst="rect">
-            <a:avLst/>
-          </a:prstGeom>
-        </p:spPr>
-        <p:style>
-          <a:lnRef idx="2">
-            <a:schemeClr val="accent1">
-              <a:shade val="15000"/>
-            </a:schemeClr>
-          </a:lnRef>
-          <a:fillRef idx="1">
-            <a:schemeClr val="accent1"/>
-          </a:fillRef>
-          <a:effectRef idx="0">
-            <a:schemeClr val="accent1"/>
-          </a:effectRef>
-          <a:fontRef idx="minor">
-            <a:schemeClr val="lt1"/>
-          </a:fontRef>
-        </p:style>
-        <p:txBody>
-          <a:bodyPr rtlCol="0" anchor="ctr"/>
-          <a:lstStyle/>
-          <a:p>
-            <a:pPr algn="ctr"/>
-            <a:r>
-              <a:rPr lang="en-US" dirty="0">
-                <a:solidFill>
-                  <a:srgbClr val="FF0000"/>
-                </a:solidFill>
-              </a:rPr>
-              <a:t>V</a:t>
-            </a:r>
-          </a:p>
-        </p:txBody>
-      </p:sp>
-      <p:sp>
-        <p:nvSpPr>
-          <p:cNvPr id="17" name="Rectangle 16">
-            <a:extLst>
-              <a:ext uri="{FF2B5EF4-FFF2-40B4-BE49-F238E27FC236}">
-                <a16:creationId xmlns:a16="http://schemas.microsoft.com/office/drawing/2014/main" id="{CE3C74EA-52C0-D6DB-6F14-E9601539F6FF}"/>
-              </a:ext>
-            </a:extLst>
-          </p:cNvPr>
-          <p:cNvSpPr/>
-          <p:nvPr/>
-        </p:nvSpPr>
-        <p:spPr>
-          <a:xfrm>
-            <a:off x="11280371" y="5070763"/>
-            <a:ext cx="302940" cy="216130"/>
-          </a:xfrm>
-          <a:prstGeom prst="rect">
-            <a:avLst/>
-          </a:prstGeom>
-        </p:spPr>
-        <p:style>
-          <a:lnRef idx="2">
-            <a:schemeClr val="accent1">
-              <a:shade val="15000"/>
-            </a:schemeClr>
-          </a:lnRef>
-          <a:fillRef idx="1">
-            <a:schemeClr val="accent1"/>
-          </a:fillRef>
-          <a:effectRef idx="0">
-            <a:schemeClr val="accent1"/>
-          </a:effectRef>
-          <a:fontRef idx="minor">
-            <a:schemeClr val="lt1"/>
-          </a:fontRef>
-        </p:style>
-        <p:txBody>
-          <a:bodyPr rtlCol="0" anchor="ctr"/>
-          <a:lstStyle/>
-          <a:p>
-            <a:pPr algn="ctr"/>
-            <a:r>
-              <a:rPr lang="en-US" dirty="0">
-                <a:solidFill>
-                  <a:srgbClr val="FF0000"/>
-                </a:solidFill>
-              </a:rPr>
-              <a:t>X</a:t>
-            </a:r>
-          </a:p>
-        </p:txBody>
-      </p:sp>
-      <p:sp>
-        <p:nvSpPr>
-          <p:cNvPr id="18" name="Rectangle 17">
-            <a:extLst>
-              <a:ext uri="{FF2B5EF4-FFF2-40B4-BE49-F238E27FC236}">
-                <a16:creationId xmlns:a16="http://schemas.microsoft.com/office/drawing/2014/main" id="{C90468BC-E012-8A0E-B9EA-5AC2DB483FD1}"/>
-              </a:ext>
-            </a:extLst>
-          </p:cNvPr>
-          <p:cNvSpPr/>
-          <p:nvPr/>
-        </p:nvSpPr>
-        <p:spPr>
-          <a:xfrm>
-            <a:off x="11280371" y="5361709"/>
-            <a:ext cx="302940" cy="216130"/>
-          </a:xfrm>
-          <a:prstGeom prst="rect">
-            <a:avLst/>
-          </a:prstGeom>
-        </p:spPr>
-        <p:style>
-          <a:lnRef idx="2">
-            <a:schemeClr val="accent1">
-              <a:shade val="15000"/>
-            </a:schemeClr>
-          </a:lnRef>
-          <a:fillRef idx="1">
-            <a:schemeClr val="accent1"/>
-          </a:fillRef>
-          <a:effectRef idx="0">
-            <a:schemeClr val="accent1"/>
-          </a:effectRef>
-          <a:fontRef idx="minor">
-            <a:schemeClr val="lt1"/>
-          </a:fontRef>
-        </p:style>
-        <p:txBody>
-          <a:bodyPr rtlCol="0" anchor="ctr"/>
-          <a:lstStyle/>
-          <a:p>
-            <a:pPr algn="ctr"/>
-            <a:r>
-              <a:rPr lang="en-US" dirty="0">
-                <a:solidFill>
-                  <a:srgbClr val="FF0000"/>
-                </a:solidFill>
-              </a:rPr>
-              <a:t>V</a:t>
-            </a:r>
-          </a:p>
-        </p:txBody>
-      </p:sp>
     </p:spTree>
     <p:extLst>
       <p:ext uri="{BB962C8B-B14F-4D97-AF65-F5344CB8AC3E}">
@@ -13128,222 +12916,6 @@
   <p:clrMapOvr>
     <a:masterClrMapping/>
   </p:clrMapOvr>
-  <p:timing>
-    <p:tnLst>
-      <p:par>
-        <p:cTn id="1" dur="indefinite" restart="never" nodeType="tmRoot">
-          <p:childTnLst>
-            <p:seq concurrent="1" nextAc="seek">
-              <p:cTn id="2" dur="indefinite" nodeType="mainSeq">
-                <p:childTnLst>
-                  <p:par>
-                    <p:cTn id="3" fill="hold">
-                      <p:stCondLst>
-                        <p:cond delay="indefinite"/>
-                      </p:stCondLst>
-                      <p:childTnLst>
-                        <p:par>
-                          <p:cTn id="4" fill="hold">
-                            <p:stCondLst>
-                              <p:cond delay="0"/>
-                            </p:stCondLst>
-                            <p:childTnLst>
-                              <p:par>
-                                <p:cTn id="5" presetID="1" presetClass="entr" presetSubtype="0" fill="hold" grpId="0" nodeType="clickEffect">
-                                  <p:stCondLst>
-                                    <p:cond delay="0"/>
-                                  </p:stCondLst>
-                                  <p:childTnLst>
-                                    <p:set>
-                                      <p:cBhvr>
-                                        <p:cTn id="6" dur="1" fill="hold">
-                                          <p:stCondLst>
-                                            <p:cond delay="0"/>
-                                          </p:stCondLst>
-                                        </p:cTn>
-                                        <p:tgtEl>
-                                          <p:spTgt spid="12"/>
-                                        </p:tgtEl>
-                                        <p:attrNameLst>
-                                          <p:attrName>style.visibility</p:attrName>
-                                        </p:attrNameLst>
-                                      </p:cBhvr>
-                                      <p:to>
-                                        <p:strVal val="visible"/>
-                                      </p:to>
-                                    </p:set>
-                                  </p:childTnLst>
-                                </p:cTn>
-                              </p:par>
-                            </p:childTnLst>
-                          </p:cTn>
-                        </p:par>
-                      </p:childTnLst>
-                    </p:cTn>
-                  </p:par>
-                  <p:par>
-                    <p:cTn id="7" fill="hold">
-                      <p:stCondLst>
-                        <p:cond delay="indefinite"/>
-                      </p:stCondLst>
-                      <p:childTnLst>
-                        <p:par>
-                          <p:cTn id="8" fill="hold">
-                            <p:stCondLst>
-                              <p:cond delay="0"/>
-                            </p:stCondLst>
-                            <p:childTnLst>
-                              <p:par>
-                                <p:cTn id="9" presetID="1" presetClass="entr" presetSubtype="0" fill="hold" grpId="0" nodeType="clickEffect">
-                                  <p:stCondLst>
-                                    <p:cond delay="0"/>
-                                  </p:stCondLst>
-                                  <p:childTnLst>
-                                    <p:set>
-                                      <p:cBhvr>
-                                        <p:cTn id="10" dur="1" fill="hold">
-                                          <p:stCondLst>
-                                            <p:cond delay="0"/>
-                                          </p:stCondLst>
-                                        </p:cTn>
-                                        <p:tgtEl>
-                                          <p:spTgt spid="16"/>
-                                        </p:tgtEl>
-                                        <p:attrNameLst>
-                                          <p:attrName>style.visibility</p:attrName>
-                                        </p:attrNameLst>
-                                      </p:cBhvr>
-                                      <p:to>
-                                        <p:strVal val="visible"/>
-                                      </p:to>
-                                    </p:set>
-                                  </p:childTnLst>
-                                </p:cTn>
-                              </p:par>
-                            </p:childTnLst>
-                          </p:cTn>
-                        </p:par>
-                      </p:childTnLst>
-                    </p:cTn>
-                  </p:par>
-                  <p:par>
-                    <p:cTn id="11" fill="hold">
-                      <p:stCondLst>
-                        <p:cond delay="indefinite"/>
-                      </p:stCondLst>
-                      <p:childTnLst>
-                        <p:par>
-                          <p:cTn id="12" fill="hold">
-                            <p:stCondLst>
-                              <p:cond delay="0"/>
-                            </p:stCondLst>
-                            <p:childTnLst>
-                              <p:par>
-                                <p:cTn id="13" presetID="1" presetClass="entr" presetSubtype="0" fill="hold" grpId="0" nodeType="clickEffect">
-                                  <p:stCondLst>
-                                    <p:cond delay="0"/>
-                                  </p:stCondLst>
-                                  <p:childTnLst>
-                                    <p:set>
-                                      <p:cBhvr>
-                                        <p:cTn id="14" dur="1" fill="hold">
-                                          <p:stCondLst>
-                                            <p:cond delay="0"/>
-                                          </p:stCondLst>
-                                        </p:cTn>
-                                        <p:tgtEl>
-                                          <p:spTgt spid="17"/>
-                                        </p:tgtEl>
-                                        <p:attrNameLst>
-                                          <p:attrName>style.visibility</p:attrName>
-                                        </p:attrNameLst>
-                                      </p:cBhvr>
-                                      <p:to>
-                                        <p:strVal val="visible"/>
-                                      </p:to>
-                                    </p:set>
-                                  </p:childTnLst>
-                                </p:cTn>
-                              </p:par>
-                            </p:childTnLst>
-                          </p:cTn>
-                        </p:par>
-                      </p:childTnLst>
-                    </p:cTn>
-                  </p:par>
-                  <p:par>
-                    <p:cTn id="15" fill="hold">
-                      <p:stCondLst>
-                        <p:cond delay="indefinite"/>
-                      </p:stCondLst>
-                      <p:childTnLst>
-                        <p:par>
-                          <p:cTn id="16" fill="hold">
-                            <p:stCondLst>
-                              <p:cond delay="0"/>
-                            </p:stCondLst>
-                            <p:childTnLst>
-                              <p:par>
-                                <p:cTn id="17" presetID="1" presetClass="entr" presetSubtype="0" fill="hold" grpId="0" nodeType="clickEffect">
-                                  <p:stCondLst>
-                                    <p:cond delay="0"/>
-                                  </p:stCondLst>
-                                  <p:childTnLst>
-                                    <p:set>
-                                      <p:cBhvr>
-                                        <p:cTn id="18" dur="1" fill="hold">
-                                          <p:stCondLst>
-                                            <p:cond delay="0"/>
-                                          </p:stCondLst>
-                                        </p:cTn>
-                                        <p:tgtEl>
-                                          <p:spTgt spid="18"/>
-                                        </p:tgtEl>
-                                        <p:attrNameLst>
-                                          <p:attrName>style.visibility</p:attrName>
-                                        </p:attrNameLst>
-                                      </p:cBhvr>
-                                      <p:to>
-                                        <p:strVal val="visible"/>
-                                      </p:to>
-                                    </p:set>
-                                  </p:childTnLst>
-                                </p:cTn>
-                              </p:par>
-                            </p:childTnLst>
-                          </p:cTn>
-                        </p:par>
-                      </p:childTnLst>
-                    </p:cTn>
-                  </p:par>
-                </p:childTnLst>
-              </p:cTn>
-              <p:prevCondLst>
-                <p:cond evt="onPrev" delay="0">
-                  <p:tgtEl>
-                    <p:sldTgt/>
-                  </p:tgtEl>
-                </p:cond>
-              </p:prevCondLst>
-              <p:nextCondLst>
-                <p:cond evt="onNext" delay="0">
-                  <p:tgtEl>
-                    <p:sldTgt/>
-                  </p:tgtEl>
-                </p:cond>
-              </p:nextCondLst>
-            </p:seq>
-          </p:childTnLst>
-        </p:cTn>
-      </p:par>
-    </p:tnLst>
-    <p:bldLst>
-      <p:bldP spid="12" grpId="0" animBg="1"/>
-      <p:bldP spid="16" grpId="0" animBg="1"/>
-      <p:bldP spid="17" grpId="0" animBg="1"/>
-      <p:bldP spid="18" grpId="0" animBg="1"/>
-    </p:bldLst>
-  </p:timing>
 </p:sld>
 </file>
 
